--- a/TraumaRegistrationSimulationModelPresentationFlowChart.pptx
+++ b/TraumaRegistrationSimulationModelPresentationFlowChart.pptx
@@ -5,13 +5,15 @@
     <p:sldMasterId id="2147483648" r:id="rId1"/>
   </p:sldMasterIdLst>
   <p:notesMasterIdLst>
-    <p:notesMasterId r:id="rId6"/>
+    <p:notesMasterId r:id="rId8"/>
   </p:notesMasterIdLst>
   <p:sldIdLst>
     <p:sldId id="256" r:id="rId2"/>
     <p:sldId id="258" r:id="rId3"/>
     <p:sldId id="259" r:id="rId4"/>
     <p:sldId id="260" r:id="rId5"/>
+    <p:sldId id="261" r:id="rId6"/>
+    <p:sldId id="262" r:id="rId7"/>
   </p:sldIdLst>
   <p:sldSz cx="12192000" cy="6858000"/>
   <p:notesSz cx="6858000" cy="9144000"/>
@@ -200,7 +202,7 @@
           <a:p>
             <a:fld id="{AFB92EF7-6A97-4432-B314-B74661C5D9C3}" type="datetimeFigureOut">
               <a:rPr lang="en-US" smtClean="0"/>
-              <a:t>7/16/2023</a:t>
+              <a:t>7/17/2023</a:t>
             </a:fld>
             <a:endParaRPr lang="en-US"/>
           </a:p>
@@ -698,7 +700,7 @@
           <a:p>
             <a:fld id="{C6A972AD-49C1-40FB-BC57-A486B8295695}" type="datetimeFigureOut">
               <a:rPr lang="en-US" smtClean="0"/>
-              <a:t>7/16/2023</a:t>
+              <a:t>7/17/2023</a:t>
             </a:fld>
             <a:endParaRPr lang="en-US"/>
           </a:p>
@@ -896,7 +898,7 @@
           <a:p>
             <a:fld id="{C6A972AD-49C1-40FB-BC57-A486B8295695}" type="datetimeFigureOut">
               <a:rPr lang="en-US" smtClean="0"/>
-              <a:t>7/16/2023</a:t>
+              <a:t>7/17/2023</a:t>
             </a:fld>
             <a:endParaRPr lang="en-US"/>
           </a:p>
@@ -1104,7 +1106,7 @@
           <a:p>
             <a:fld id="{C6A972AD-49C1-40FB-BC57-A486B8295695}" type="datetimeFigureOut">
               <a:rPr lang="en-US" smtClean="0"/>
-              <a:t>7/16/2023</a:t>
+              <a:t>7/17/2023</a:t>
             </a:fld>
             <a:endParaRPr lang="en-US"/>
           </a:p>
@@ -1302,7 +1304,7 @@
           <a:p>
             <a:fld id="{C6A972AD-49C1-40FB-BC57-A486B8295695}" type="datetimeFigureOut">
               <a:rPr lang="en-US" smtClean="0"/>
-              <a:t>7/16/2023</a:t>
+              <a:t>7/17/2023</a:t>
             </a:fld>
             <a:endParaRPr lang="en-US"/>
           </a:p>
@@ -1577,7 +1579,7 @@
           <a:p>
             <a:fld id="{C6A972AD-49C1-40FB-BC57-A486B8295695}" type="datetimeFigureOut">
               <a:rPr lang="en-US" smtClean="0"/>
-              <a:t>7/16/2023</a:t>
+              <a:t>7/17/2023</a:t>
             </a:fld>
             <a:endParaRPr lang="en-US"/>
           </a:p>
@@ -1842,7 +1844,7 @@
           <a:p>
             <a:fld id="{C6A972AD-49C1-40FB-BC57-A486B8295695}" type="datetimeFigureOut">
               <a:rPr lang="en-US" smtClean="0"/>
-              <a:t>7/16/2023</a:t>
+              <a:t>7/17/2023</a:t>
             </a:fld>
             <a:endParaRPr lang="en-US"/>
           </a:p>
@@ -2254,7 +2256,7 @@
           <a:p>
             <a:fld id="{C6A972AD-49C1-40FB-BC57-A486B8295695}" type="datetimeFigureOut">
               <a:rPr lang="en-US" smtClean="0"/>
-              <a:t>7/16/2023</a:t>
+              <a:t>7/17/2023</a:t>
             </a:fld>
             <a:endParaRPr lang="en-US"/>
           </a:p>
@@ -2395,7 +2397,7 @@
           <a:p>
             <a:fld id="{C6A972AD-49C1-40FB-BC57-A486B8295695}" type="datetimeFigureOut">
               <a:rPr lang="en-US" smtClean="0"/>
-              <a:t>7/16/2023</a:t>
+              <a:t>7/17/2023</a:t>
             </a:fld>
             <a:endParaRPr lang="en-US"/>
           </a:p>
@@ -2508,7 +2510,7 @@
           <a:p>
             <a:fld id="{C6A972AD-49C1-40FB-BC57-A486B8295695}" type="datetimeFigureOut">
               <a:rPr lang="en-US" smtClean="0"/>
-              <a:t>7/16/2023</a:t>
+              <a:t>7/17/2023</a:t>
             </a:fld>
             <a:endParaRPr lang="en-US"/>
           </a:p>
@@ -2819,7 +2821,7 @@
           <a:p>
             <a:fld id="{C6A972AD-49C1-40FB-BC57-A486B8295695}" type="datetimeFigureOut">
               <a:rPr lang="en-US" smtClean="0"/>
-              <a:t>7/16/2023</a:t>
+              <a:t>7/17/2023</a:t>
             </a:fld>
             <a:endParaRPr lang="en-US"/>
           </a:p>
@@ -3107,7 +3109,7 @@
           <a:p>
             <a:fld id="{C6A972AD-49C1-40FB-BC57-A486B8295695}" type="datetimeFigureOut">
               <a:rPr lang="en-US" smtClean="0"/>
-              <a:t>7/16/2023</a:t>
+              <a:t>7/17/2023</a:t>
             </a:fld>
             <a:endParaRPr lang="en-US"/>
           </a:p>
@@ -3348,7 +3350,7 @@
           <a:p>
             <a:fld id="{C6A972AD-49C1-40FB-BC57-A486B8295695}" type="datetimeFigureOut">
               <a:rPr lang="en-US" smtClean="0"/>
-              <a:t>7/16/2023</a:t>
+              <a:t>7/17/2023</a:t>
             </a:fld>
             <a:endParaRPr lang="en-US"/>
           </a:p>
@@ -5850,6 +5852,1576 @@
     <p:extLst>
       <p:ext uri="{BB962C8B-B14F-4D97-AF65-F5344CB8AC3E}">
         <p14:creationId xmlns:p14="http://schemas.microsoft.com/office/powerpoint/2010/main" val="1770915448"/>
+      </p:ext>
+    </p:extLst>
+  </p:cSld>
+  <p:clrMapOvr>
+    <a:masterClrMapping/>
+  </p:clrMapOvr>
+</p:sld>
+</file>
+
+<file path=ppt/slides/slide5.xml><?xml version="1.0" encoding="utf-8"?>
+<p:sld xmlns:a="http://schemas.openxmlformats.org/drawingml/2006/main" xmlns:r="http://schemas.openxmlformats.org/officeDocument/2006/relationships" xmlns:p="http://schemas.openxmlformats.org/presentationml/2006/main">
+  <p:cSld>
+    <p:spTree>
+      <p:nvGrpSpPr>
+        <p:cNvPr id="1" name=""/>
+        <p:cNvGrpSpPr/>
+        <p:nvPr/>
+      </p:nvGrpSpPr>
+      <p:grpSpPr>
+        <a:xfrm>
+          <a:off x="0" y="0"/>
+          <a:ext cx="0" cy="0"/>
+          <a:chOff x="0" y="0"/>
+          <a:chExt cx="0" cy="0"/>
+        </a:xfrm>
+      </p:grpSpPr>
+      <p:sp>
+        <p:nvSpPr>
+          <p:cNvPr id="2" name="Title 1">
+            <a:extLst>
+              <a:ext uri="{FF2B5EF4-FFF2-40B4-BE49-F238E27FC236}">
+                <a16:creationId xmlns:a16="http://schemas.microsoft.com/office/drawing/2014/main" id="{BB97DE05-019F-76D1-3874-87278078AA4D}"/>
+              </a:ext>
+            </a:extLst>
+          </p:cNvPr>
+          <p:cNvSpPr>
+            <a:spLocks noGrp="1"/>
+          </p:cNvSpPr>
+          <p:nvPr>
+            <p:ph type="title"/>
+          </p:nvPr>
+        </p:nvSpPr>
+        <p:spPr/>
+        <p:txBody>
+          <a:bodyPr/>
+          <a:lstStyle/>
+          <a:p>
+            <a:r>
+              <a:rPr lang="en-US" dirty="0"/>
+              <a:t>               Validation Of The Model</a:t>
+            </a:r>
+          </a:p>
+        </p:txBody>
+      </p:sp>
+      <p:sp>
+        <p:nvSpPr>
+          <p:cNvPr id="4" name="Rectangle 1">
+            <a:extLst>
+              <a:ext uri="{FF2B5EF4-FFF2-40B4-BE49-F238E27FC236}">
+                <a16:creationId xmlns:a16="http://schemas.microsoft.com/office/drawing/2014/main" id="{719748E1-B402-539C-9571-58066CA02BE5}"/>
+              </a:ext>
+            </a:extLst>
+          </p:cNvPr>
+          <p:cNvSpPr>
+            <a:spLocks noGrp="1" noChangeArrowheads="1"/>
+          </p:cNvSpPr>
+          <p:nvPr>
+            <p:ph idx="1"/>
+          </p:nvPr>
+        </p:nvSpPr>
+        <p:spPr bwMode="auto">
+          <a:xfrm>
+            <a:off x="1226820" y="1785669"/>
+            <a:ext cx="9028099" cy="4629371"/>
+          </a:xfrm>
+          <a:prstGeom prst="rect">
+            <a:avLst/>
+          </a:prstGeom>
+          <a:solidFill>
+            <a:srgbClr val="FFFFFF"/>
+          </a:solidFill>
+          <a:ln>
+            <a:noFill/>
+          </a:ln>
+          <a:effectLst/>
+          <a:extLst>
+            <a:ext uri="{91240B29-F687-4F45-9708-019B960494DF}">
+              <a14:hiddenLine xmlns:a14="http://schemas.microsoft.com/office/drawing/2010/main" w="9525">
+                <a:solidFill>
+                  <a:schemeClr val="tx1"/>
+                </a:solidFill>
+                <a:miter lim="800000"/>
+                <a:headEnd/>
+                <a:tailEnd/>
+              </a14:hiddenLine>
+            </a:ext>
+            <a:ext uri="{AF507438-7753-43E0-B8FC-AC1667EBCBE1}">
+              <a14:hiddenEffects xmlns:a14="http://schemas.microsoft.com/office/drawing/2010/main">
+                <a:effectLst>
+                  <a:outerShdw dist="35921" dir="2700000" algn="ctr" rotWithShape="0">
+                    <a:schemeClr val="bg2"/>
+                  </a:outerShdw>
+                </a:effectLst>
+              </a14:hiddenEffects>
+            </a:ext>
+          </a:extLst>
+        </p:spPr>
+        <p:txBody>
+          <a:bodyPr vert="horz" wrap="square" lIns="317400" tIns="158700" rIns="317400" bIns="158700" numCol="1" anchor="ctr" anchorCtr="0" compatLnSpc="1">
+            <a:prstTxWarp prst="textNoShape">
+              <a:avLst/>
+            </a:prstTxWarp>
+            <a:spAutoFit/>
+          </a:bodyPr>
+          <a:lstStyle>
+            <a:lvl1pPr eaLnBrk="0" fontAlgn="base" hangingPunct="0">
+              <a:spcBef>
+                <a:spcPct val="0"/>
+              </a:spcBef>
+              <a:spcAft>
+                <a:spcPct val="0"/>
+              </a:spcAft>
+              <a:defRPr>
+                <a:solidFill>
+                  <a:schemeClr val="tx1"/>
+                </a:solidFill>
+                <a:latin typeface="Arial" panose="020B0604020202020204" pitchFamily="34" charset="0"/>
+              </a:defRPr>
+            </a:lvl1pPr>
+            <a:lvl2pPr eaLnBrk="0" fontAlgn="base" hangingPunct="0">
+              <a:spcBef>
+                <a:spcPct val="0"/>
+              </a:spcBef>
+              <a:spcAft>
+                <a:spcPct val="0"/>
+              </a:spcAft>
+              <a:defRPr>
+                <a:solidFill>
+                  <a:schemeClr val="tx1"/>
+                </a:solidFill>
+                <a:latin typeface="Arial" panose="020B0604020202020204" pitchFamily="34" charset="0"/>
+              </a:defRPr>
+            </a:lvl2pPr>
+            <a:lvl3pPr eaLnBrk="0" fontAlgn="base" hangingPunct="0">
+              <a:spcBef>
+                <a:spcPct val="0"/>
+              </a:spcBef>
+              <a:spcAft>
+                <a:spcPct val="0"/>
+              </a:spcAft>
+              <a:defRPr>
+                <a:solidFill>
+                  <a:schemeClr val="tx1"/>
+                </a:solidFill>
+                <a:latin typeface="Arial" panose="020B0604020202020204" pitchFamily="34" charset="0"/>
+              </a:defRPr>
+            </a:lvl3pPr>
+            <a:lvl4pPr eaLnBrk="0" fontAlgn="base" hangingPunct="0">
+              <a:spcBef>
+                <a:spcPct val="0"/>
+              </a:spcBef>
+              <a:spcAft>
+                <a:spcPct val="0"/>
+              </a:spcAft>
+              <a:defRPr>
+                <a:solidFill>
+                  <a:schemeClr val="tx1"/>
+                </a:solidFill>
+                <a:latin typeface="Arial" panose="020B0604020202020204" pitchFamily="34" charset="0"/>
+              </a:defRPr>
+            </a:lvl4pPr>
+            <a:lvl5pPr eaLnBrk="0" fontAlgn="base" hangingPunct="0">
+              <a:spcBef>
+                <a:spcPct val="0"/>
+              </a:spcBef>
+              <a:spcAft>
+                <a:spcPct val="0"/>
+              </a:spcAft>
+              <a:defRPr>
+                <a:solidFill>
+                  <a:schemeClr val="tx1"/>
+                </a:solidFill>
+                <a:latin typeface="Arial" panose="020B0604020202020204" pitchFamily="34" charset="0"/>
+              </a:defRPr>
+            </a:lvl5pPr>
+            <a:lvl6pPr eaLnBrk="0" fontAlgn="base" hangingPunct="0">
+              <a:spcBef>
+                <a:spcPct val="0"/>
+              </a:spcBef>
+              <a:spcAft>
+                <a:spcPct val="0"/>
+              </a:spcAft>
+              <a:defRPr>
+                <a:solidFill>
+                  <a:schemeClr val="tx1"/>
+                </a:solidFill>
+                <a:latin typeface="Arial" panose="020B0604020202020204" pitchFamily="34" charset="0"/>
+              </a:defRPr>
+            </a:lvl6pPr>
+            <a:lvl7pPr eaLnBrk="0" fontAlgn="base" hangingPunct="0">
+              <a:spcBef>
+                <a:spcPct val="0"/>
+              </a:spcBef>
+              <a:spcAft>
+                <a:spcPct val="0"/>
+              </a:spcAft>
+              <a:defRPr>
+                <a:solidFill>
+                  <a:schemeClr val="tx1"/>
+                </a:solidFill>
+                <a:latin typeface="Arial" panose="020B0604020202020204" pitchFamily="34" charset="0"/>
+              </a:defRPr>
+            </a:lvl7pPr>
+            <a:lvl8pPr eaLnBrk="0" fontAlgn="base" hangingPunct="0">
+              <a:spcBef>
+                <a:spcPct val="0"/>
+              </a:spcBef>
+              <a:spcAft>
+                <a:spcPct val="0"/>
+              </a:spcAft>
+              <a:defRPr>
+                <a:solidFill>
+                  <a:schemeClr val="tx1"/>
+                </a:solidFill>
+                <a:latin typeface="Arial" panose="020B0604020202020204" pitchFamily="34" charset="0"/>
+              </a:defRPr>
+            </a:lvl8pPr>
+            <a:lvl9pPr eaLnBrk="0" fontAlgn="base" hangingPunct="0">
+              <a:spcBef>
+                <a:spcPct val="0"/>
+              </a:spcBef>
+              <a:spcAft>
+                <a:spcPct val="0"/>
+              </a:spcAft>
+              <a:defRPr>
+                <a:solidFill>
+                  <a:schemeClr val="tx1"/>
+                </a:solidFill>
+                <a:latin typeface="Arial" panose="020B0604020202020204" pitchFamily="34" charset="0"/>
+              </a:defRPr>
+            </a:lvl9pPr>
+          </a:lstStyle>
+          <a:p>
+            <a:pPr marL="0" marR="0" lvl="0" indent="0" algn="l" defTabSz="914400" rtl="0" eaLnBrk="0" fontAlgn="base" latinLnBrk="0" hangingPunct="0">
+              <a:lnSpc>
+                <a:spcPct val="100000"/>
+              </a:lnSpc>
+              <a:spcBef>
+                <a:spcPct val="0"/>
+              </a:spcBef>
+              <a:spcAft>
+                <a:spcPct val="0"/>
+              </a:spcAft>
+              <a:buClrTx/>
+              <a:buSzTx/>
+              <a:buFontTx/>
+              <a:buNone/>
+              <a:tabLst/>
+            </a:pPr>
+            <a:r>
+              <a:rPr kumimoji="0" lang="en-US" altLang="en-US" sz="1400" b="1" i="0" u="none" strike="noStrike" cap="none" normalizeH="0" baseline="0" dirty="0">
+                <a:ln>
+                  <a:noFill/>
+                </a:ln>
+                <a:solidFill>
+                  <a:srgbClr val="000000"/>
+                </a:solidFill>
+                <a:effectLst/>
+                <a:latin typeface="Helvetica Neue"/>
+              </a:rPr>
+              <a:t>I validated the Model and plotted the results by giving different input values for </a:t>
+            </a:r>
+            <a:r>
+              <a:rPr kumimoji="0" lang="en-US" altLang="en-US" sz="1400" b="1" i="0" u="none" strike="noStrike" cap="none" normalizeH="0" baseline="0" dirty="0" err="1">
+                <a:ln>
+                  <a:noFill/>
+                </a:ln>
+                <a:solidFill>
+                  <a:srgbClr val="000000"/>
+                </a:solidFill>
+                <a:effectLst/>
+                <a:latin typeface="Helvetica Neue"/>
+              </a:rPr>
+              <a:t>num_registrars</a:t>
+            </a:r>
+            <a:r>
+              <a:rPr kumimoji="0" lang="en-US" altLang="en-US" sz="1400" b="1" i="0" u="none" strike="noStrike" cap="none" normalizeH="0" baseline="0" dirty="0">
+                <a:ln>
+                  <a:noFill/>
+                </a:ln>
+                <a:solidFill>
+                  <a:srgbClr val="000000"/>
+                </a:solidFill>
+                <a:effectLst/>
+                <a:latin typeface="Helvetica Neue"/>
+              </a:rPr>
+              <a:t>, </a:t>
+            </a:r>
+            <a:r>
+              <a:rPr kumimoji="0" lang="en-US" altLang="en-US" sz="1400" b="1" i="0" u="none" strike="noStrike" cap="none" normalizeH="0" baseline="0" dirty="0" err="1">
+                <a:ln>
+                  <a:noFill/>
+                </a:ln>
+                <a:solidFill>
+                  <a:srgbClr val="000000"/>
+                </a:solidFill>
+                <a:effectLst/>
+                <a:latin typeface="Helvetica Neue"/>
+              </a:rPr>
+              <a:t>num_traumanurses</a:t>
+            </a:r>
+            <a:r>
+              <a:rPr kumimoji="0" lang="en-US" altLang="en-US" sz="1400" b="1" i="0" u="none" strike="noStrike" cap="none" normalizeH="0" baseline="0" dirty="0">
+                <a:ln>
+                  <a:noFill/>
+                </a:ln>
+                <a:solidFill>
+                  <a:srgbClr val="000000"/>
+                </a:solidFill>
+                <a:effectLst/>
+                <a:latin typeface="Helvetica Neue"/>
+              </a:rPr>
+              <a:t>, </a:t>
+            </a:r>
+            <a:r>
+              <a:rPr kumimoji="0" lang="en-US" altLang="en-US" sz="1400" b="1" i="0" u="none" strike="noStrike" cap="none" normalizeH="0" baseline="0" dirty="0" err="1">
+                <a:ln>
+                  <a:noFill/>
+                </a:ln>
+                <a:solidFill>
+                  <a:srgbClr val="000000"/>
+                </a:solidFill>
+                <a:effectLst/>
+                <a:latin typeface="Helvetica Neue"/>
+              </a:rPr>
+              <a:t>num_icuporters</a:t>
+            </a:r>
+            <a:r>
+              <a:rPr kumimoji="0" lang="en-US" altLang="en-US" sz="1400" b="1" i="0" u="none" strike="noStrike" cap="none" normalizeH="0" baseline="0" dirty="0">
+                <a:ln>
+                  <a:noFill/>
+                </a:ln>
+                <a:solidFill>
+                  <a:srgbClr val="000000"/>
+                </a:solidFill>
+                <a:effectLst/>
+                <a:latin typeface="Helvetica Neue"/>
+              </a:rPr>
+              <a:t> </a:t>
+            </a:r>
+            <a:r>
+              <a:rPr kumimoji="0" lang="en-US" altLang="en-US" sz="1400" b="1" i="0" u="none" strike="noStrike" cap="none" normalizeH="0" baseline="0" dirty="0" err="1">
+                <a:ln>
+                  <a:noFill/>
+                </a:ln>
+                <a:solidFill>
+                  <a:srgbClr val="000000"/>
+                </a:solidFill>
+                <a:effectLst/>
+                <a:latin typeface="Helvetica Neue"/>
+              </a:rPr>
+              <a:t>Everytime</a:t>
+            </a:r>
+            <a:r>
+              <a:rPr kumimoji="0" lang="en-US" altLang="en-US" sz="1400" b="1" i="0" u="none" strike="noStrike" cap="none" normalizeH="0" baseline="0" dirty="0">
+                <a:ln>
+                  <a:noFill/>
+                </a:ln>
+                <a:solidFill>
+                  <a:srgbClr val="000000"/>
+                </a:solidFill>
+                <a:effectLst/>
+                <a:latin typeface="Helvetica Neue"/>
+              </a:rPr>
+              <a:t> I noticed that greater the number of resources(</a:t>
+            </a:r>
+            <a:r>
+              <a:rPr kumimoji="0" lang="en-US" altLang="en-US" sz="1400" b="1" i="0" u="none" strike="noStrike" cap="none" normalizeH="0" baseline="0" dirty="0" err="1">
+                <a:ln>
+                  <a:noFill/>
+                </a:ln>
+                <a:solidFill>
+                  <a:srgbClr val="000000"/>
+                </a:solidFill>
+                <a:effectLst/>
+                <a:latin typeface="Helvetica Neue"/>
+              </a:rPr>
+              <a:t>num_registrars</a:t>
+            </a:r>
+            <a:r>
+              <a:rPr kumimoji="0" lang="en-US" altLang="en-US" sz="1400" b="1" i="0" u="none" strike="noStrike" cap="none" normalizeH="0" baseline="0" dirty="0">
+                <a:ln>
+                  <a:noFill/>
+                </a:ln>
+                <a:solidFill>
+                  <a:srgbClr val="000000"/>
+                </a:solidFill>
+                <a:effectLst/>
+                <a:latin typeface="Helvetica Neue"/>
+              </a:rPr>
+              <a:t>, </a:t>
+            </a:r>
+            <a:r>
+              <a:rPr kumimoji="0" lang="en-US" altLang="en-US" sz="1400" b="1" i="0" u="none" strike="noStrike" cap="none" normalizeH="0" baseline="0" dirty="0" err="1">
+                <a:ln>
+                  <a:noFill/>
+                </a:ln>
+                <a:solidFill>
+                  <a:srgbClr val="000000"/>
+                </a:solidFill>
+                <a:effectLst/>
+                <a:latin typeface="Helvetica Neue"/>
+              </a:rPr>
+              <a:t>num_traumanurses</a:t>
+            </a:r>
+            <a:r>
+              <a:rPr kumimoji="0" lang="en-US" altLang="en-US" sz="1400" b="1" i="0" u="none" strike="noStrike" cap="none" normalizeH="0" baseline="0" dirty="0">
+                <a:ln>
+                  <a:noFill/>
+                </a:ln>
+                <a:solidFill>
+                  <a:srgbClr val="000000"/>
+                </a:solidFill>
+                <a:effectLst/>
+                <a:latin typeface="Helvetica Neue"/>
+              </a:rPr>
+              <a:t>, </a:t>
+            </a:r>
+            <a:r>
+              <a:rPr kumimoji="0" lang="en-US" altLang="en-US" sz="1400" b="1" i="0" u="none" strike="noStrike" cap="none" normalizeH="0" baseline="0" dirty="0" err="1">
+                <a:ln>
+                  <a:noFill/>
+                </a:ln>
+                <a:solidFill>
+                  <a:srgbClr val="000000"/>
+                </a:solidFill>
+                <a:effectLst/>
+                <a:latin typeface="Helvetica Neue"/>
+              </a:rPr>
+              <a:t>num_icuporters</a:t>
+            </a:r>
+            <a:r>
+              <a:rPr kumimoji="0" lang="en-US" altLang="en-US" sz="1400" b="1" i="0" u="none" strike="noStrike" cap="none" normalizeH="0" baseline="0" dirty="0">
+                <a:ln>
+                  <a:noFill/>
+                </a:ln>
+                <a:solidFill>
+                  <a:srgbClr val="000000"/>
+                </a:solidFill>
+                <a:effectLst/>
+                <a:latin typeface="Helvetica Neue"/>
+              </a:rPr>
+              <a:t>) less is the wait time. So to reduce the wait time in Trauma centers more </a:t>
+            </a:r>
+            <a:r>
+              <a:rPr kumimoji="0" lang="en-US" altLang="en-US" sz="1400" b="1" i="0" u="none" strike="noStrike" cap="none" normalizeH="0" baseline="0" dirty="0" err="1">
+                <a:ln>
+                  <a:noFill/>
+                </a:ln>
+                <a:solidFill>
+                  <a:srgbClr val="000000"/>
+                </a:solidFill>
+                <a:effectLst/>
+                <a:latin typeface="Helvetica Neue"/>
+              </a:rPr>
+              <a:t>numer</a:t>
+            </a:r>
+            <a:r>
+              <a:rPr kumimoji="0" lang="en-US" altLang="en-US" sz="1400" b="1" i="0" u="none" strike="noStrike" cap="none" normalizeH="0" baseline="0" dirty="0">
+                <a:ln>
+                  <a:noFill/>
+                </a:ln>
+                <a:solidFill>
+                  <a:srgbClr val="000000"/>
+                </a:solidFill>
+                <a:effectLst/>
+                <a:latin typeface="Helvetica Neue"/>
+              </a:rPr>
+              <a:t> of shared resources(the staff we need). I again validated model by increasing and </a:t>
+            </a:r>
+            <a:r>
+              <a:rPr lang="en-US" altLang="en-US" sz="1400" b="1" dirty="0">
+                <a:solidFill>
+                  <a:srgbClr val="000000"/>
+                </a:solidFill>
+                <a:latin typeface="Helvetica Neue"/>
+              </a:rPr>
+              <a:t> de</a:t>
+            </a:r>
+            <a:r>
+              <a:rPr kumimoji="0" lang="en-US" altLang="en-US" sz="1400" b="1" i="0" u="none" strike="noStrike" cap="none" normalizeH="0" baseline="0" dirty="0">
+                <a:ln>
+                  <a:noFill/>
+                </a:ln>
+                <a:solidFill>
+                  <a:srgbClr val="000000"/>
+                </a:solidFill>
+                <a:effectLst/>
+                <a:latin typeface="Helvetica Neue"/>
+              </a:rPr>
+              <a:t>creasing the random time take n by </a:t>
+            </a:r>
+            <a:r>
+              <a:rPr kumimoji="0" lang="en-US" altLang="en-US" sz="1400" b="1" i="0" u="none" strike="noStrike" cap="none" normalizeH="0" baseline="0" dirty="0" err="1">
+                <a:ln>
+                  <a:noFill/>
+                </a:ln>
+                <a:solidFill>
+                  <a:srgbClr val="000000"/>
+                </a:solidFill>
+                <a:effectLst/>
+                <a:latin typeface="Helvetica Neue"/>
+              </a:rPr>
+              <a:t>icu</a:t>
+            </a:r>
+            <a:r>
+              <a:rPr kumimoji="0" lang="en-US" altLang="en-US" sz="1400" b="1" i="0" u="none" strike="noStrike" cap="none" normalizeH="0" baseline="0" dirty="0">
+                <a:ln>
+                  <a:noFill/>
+                </a:ln>
+                <a:solidFill>
+                  <a:srgbClr val="000000"/>
+                </a:solidFill>
+                <a:effectLst/>
+                <a:latin typeface="Helvetica Neue"/>
+              </a:rPr>
+              <a:t> porters and trauma level validation nurses, More time taken by them results in more wait time.</a:t>
+            </a:r>
+            <a:endParaRPr kumimoji="0" lang="en-US" altLang="en-US" sz="1400" b="1" i="0" u="none" strike="noStrike" cap="none" normalizeH="0" baseline="0" dirty="0">
+              <a:ln>
+                <a:noFill/>
+              </a:ln>
+              <a:solidFill>
+                <a:schemeClr val="tx1"/>
+              </a:solidFill>
+              <a:effectLst/>
+            </a:endParaRPr>
+          </a:p>
+          <a:p>
+            <a:pPr marL="0" marR="0" lvl="0" indent="0" algn="l" defTabSz="914400" rtl="0" eaLnBrk="0" fontAlgn="base" latinLnBrk="0" hangingPunct="0">
+              <a:lnSpc>
+                <a:spcPct val="100000"/>
+              </a:lnSpc>
+              <a:spcBef>
+                <a:spcPct val="0"/>
+              </a:spcBef>
+              <a:spcAft>
+                <a:spcPct val="0"/>
+              </a:spcAft>
+              <a:buClrTx/>
+              <a:buSzTx/>
+              <a:buFontTx/>
+              <a:buNone/>
+              <a:tabLst/>
+            </a:pPr>
+            <a:r>
+              <a:rPr kumimoji="0" lang="en-US" altLang="en-US" sz="1400" b="1" i="0" u="none" strike="noStrike" cap="none" normalizeH="0" baseline="0" dirty="0">
+                <a:ln>
+                  <a:noFill/>
+                </a:ln>
+                <a:solidFill>
+                  <a:srgbClr val="000000"/>
+                </a:solidFill>
+                <a:effectLst/>
+                <a:latin typeface="Helvetica Neue"/>
+              </a:rPr>
+              <a:t>Example1: Below the average wait time at trauma nurse is 1 to 7 minutes and </a:t>
+            </a:r>
+            <a:r>
+              <a:rPr kumimoji="0" lang="en-US" altLang="en-US" sz="1400" b="1" i="0" u="none" strike="noStrike" cap="none" normalizeH="0" baseline="0" dirty="0" err="1">
+                <a:ln>
+                  <a:noFill/>
+                </a:ln>
+                <a:solidFill>
+                  <a:srgbClr val="000000"/>
+                </a:solidFill>
+                <a:effectLst/>
+                <a:latin typeface="Helvetica Neue"/>
+              </a:rPr>
+              <a:t>icuporter</a:t>
+            </a:r>
+            <a:r>
+              <a:rPr kumimoji="0" lang="en-US" altLang="en-US" sz="1400" b="1" i="0" u="none" strike="noStrike" cap="none" normalizeH="0" baseline="0" dirty="0">
+                <a:ln>
+                  <a:noFill/>
+                </a:ln>
+                <a:solidFill>
+                  <a:srgbClr val="000000"/>
+                </a:solidFill>
+                <a:effectLst/>
+                <a:latin typeface="Helvetica Neue"/>
+              </a:rPr>
+              <a:t> is 1 to 6 minutes def </a:t>
+            </a:r>
+            <a:r>
+              <a:rPr kumimoji="0" lang="en-US" altLang="en-US" sz="1400" b="1" i="0" u="none" strike="noStrike" cap="none" normalizeH="0" baseline="0" dirty="0" err="1">
+                <a:ln>
+                  <a:noFill/>
+                </a:ln>
+                <a:solidFill>
+                  <a:srgbClr val="000000"/>
+                </a:solidFill>
+                <a:effectLst/>
+                <a:latin typeface="Helvetica Neue"/>
+              </a:rPr>
+              <a:t>get_registered</a:t>
+            </a:r>
+            <a:r>
+              <a:rPr kumimoji="0" lang="en-US" altLang="en-US" sz="1400" b="1" i="0" u="none" strike="noStrike" cap="none" normalizeH="0" baseline="0" dirty="0">
+                <a:ln>
+                  <a:noFill/>
+                </a:ln>
+                <a:solidFill>
+                  <a:srgbClr val="000000"/>
+                </a:solidFill>
+                <a:effectLst/>
+                <a:latin typeface="Helvetica Neue"/>
+              </a:rPr>
+              <a:t>(self, patient): yield </a:t>
+            </a:r>
+            <a:r>
+              <a:rPr kumimoji="0" lang="en-US" altLang="en-US" sz="1400" b="1" i="0" u="none" strike="noStrike" cap="none" normalizeH="0" baseline="0" dirty="0" err="1">
+                <a:ln>
+                  <a:noFill/>
+                </a:ln>
+                <a:solidFill>
+                  <a:srgbClr val="000000"/>
+                </a:solidFill>
+                <a:effectLst/>
+                <a:latin typeface="Helvetica Neue"/>
+              </a:rPr>
+              <a:t>self.env.timeout</a:t>
+            </a:r>
+            <a:r>
+              <a:rPr kumimoji="0" lang="en-US" altLang="en-US" sz="1400" b="1" i="0" u="none" strike="noStrike" cap="none" normalizeH="0" baseline="0" dirty="0">
+                <a:ln>
+                  <a:noFill/>
+                </a:ln>
+                <a:solidFill>
+                  <a:srgbClr val="000000"/>
+                </a:solidFill>
+                <a:effectLst/>
+                <a:latin typeface="Helvetica Neue"/>
+              </a:rPr>
+              <a:t>(</a:t>
+            </a:r>
+            <a:r>
+              <a:rPr kumimoji="0" lang="en-US" altLang="en-US" sz="1400" b="1" i="0" u="none" strike="noStrike" cap="none" normalizeH="0" baseline="0" dirty="0" err="1">
+                <a:ln>
+                  <a:noFill/>
+                </a:ln>
+                <a:solidFill>
+                  <a:srgbClr val="000000"/>
+                </a:solidFill>
+                <a:effectLst/>
+                <a:latin typeface="Helvetica Neue"/>
+              </a:rPr>
+              <a:t>random.randint</a:t>
+            </a:r>
+            <a:r>
+              <a:rPr kumimoji="0" lang="en-US" altLang="en-US" sz="1400" b="1" i="0" u="none" strike="noStrike" cap="none" normalizeH="0" baseline="0" dirty="0">
+                <a:ln>
+                  <a:noFill/>
+                </a:ln>
+                <a:solidFill>
+                  <a:srgbClr val="000000"/>
+                </a:solidFill>
+                <a:effectLst/>
+                <a:latin typeface="Helvetica Neue"/>
+              </a:rPr>
+              <a:t>(1, 3))</a:t>
+            </a:r>
+            <a:endParaRPr kumimoji="0" lang="en-US" altLang="en-US" sz="1400" b="1" i="0" u="none" strike="noStrike" cap="none" normalizeH="0" baseline="0" dirty="0">
+              <a:ln>
+                <a:noFill/>
+              </a:ln>
+              <a:solidFill>
+                <a:srgbClr val="000000"/>
+              </a:solidFill>
+              <a:effectLst/>
+              <a:latin typeface="Courier New" panose="02070309020205020404" pitchFamily="49" charset="0"/>
+              <a:cs typeface="Courier New" panose="02070309020205020404" pitchFamily="49" charset="0"/>
+            </a:endParaRPr>
+          </a:p>
+          <a:p>
+            <a:pPr marL="0" marR="0" lvl="0" indent="0" algn="l" defTabSz="914400" rtl="0" eaLnBrk="0" fontAlgn="base" latinLnBrk="0" hangingPunct="0">
+              <a:lnSpc>
+                <a:spcPct val="100000"/>
+              </a:lnSpc>
+              <a:spcBef>
+                <a:spcPct val="0"/>
+              </a:spcBef>
+              <a:spcAft>
+                <a:spcPct val="0"/>
+              </a:spcAft>
+              <a:buClrTx/>
+              <a:buSzTx/>
+              <a:buFontTx/>
+              <a:buNone/>
+              <a:tabLst/>
+            </a:pPr>
+            <a:r>
+              <a:rPr kumimoji="0" lang="en-US" altLang="en-US" sz="1400" b="1" i="0" u="none" strike="noStrike" cap="none" normalizeH="0" baseline="0" dirty="0">
+                <a:ln>
+                  <a:noFill/>
+                </a:ln>
+                <a:solidFill>
+                  <a:srgbClr val="000000"/>
+                </a:solidFill>
+                <a:effectLst/>
+                <a:latin typeface="Courier New" panose="02070309020205020404" pitchFamily="49" charset="0"/>
+                <a:cs typeface="Courier New" panose="02070309020205020404" pitchFamily="49" charset="0"/>
+              </a:rPr>
+              <a:t>def </a:t>
+            </a:r>
+            <a:r>
+              <a:rPr kumimoji="0" lang="en-US" altLang="en-US" sz="1400" b="1" i="0" u="none" strike="noStrike" cap="none" normalizeH="0" baseline="0" dirty="0" err="1">
+                <a:ln>
+                  <a:noFill/>
+                </a:ln>
+                <a:solidFill>
+                  <a:srgbClr val="000000"/>
+                </a:solidFill>
+                <a:effectLst/>
+                <a:latin typeface="Courier New" panose="02070309020205020404" pitchFamily="49" charset="0"/>
+                <a:cs typeface="Courier New" panose="02070309020205020404" pitchFamily="49" charset="0"/>
+              </a:rPr>
+              <a:t>check_traumanurse</a:t>
+            </a:r>
+            <a:r>
+              <a:rPr kumimoji="0" lang="en-US" altLang="en-US" sz="1400" b="1" i="0" u="none" strike="noStrike" cap="none" normalizeH="0" baseline="0" dirty="0">
+                <a:ln>
+                  <a:noFill/>
+                </a:ln>
+                <a:solidFill>
+                  <a:srgbClr val="000000"/>
+                </a:solidFill>
+                <a:effectLst/>
+                <a:latin typeface="Courier New" panose="02070309020205020404" pitchFamily="49" charset="0"/>
+                <a:cs typeface="Courier New" panose="02070309020205020404" pitchFamily="49" charset="0"/>
+              </a:rPr>
+              <a:t>(self, patient): yield </a:t>
+            </a:r>
+            <a:r>
+              <a:rPr kumimoji="0" lang="en-US" altLang="en-US" sz="1400" b="1" i="0" u="none" strike="noStrike" cap="none" normalizeH="0" baseline="0" dirty="0" err="1">
+                <a:ln>
+                  <a:noFill/>
+                </a:ln>
+                <a:solidFill>
+                  <a:srgbClr val="000000"/>
+                </a:solidFill>
+                <a:effectLst/>
+                <a:latin typeface="Courier New" panose="02070309020205020404" pitchFamily="49" charset="0"/>
+                <a:cs typeface="Courier New" panose="02070309020205020404" pitchFamily="49" charset="0"/>
+              </a:rPr>
+              <a:t>self.env.timeout</a:t>
+            </a:r>
+            <a:r>
+              <a:rPr kumimoji="0" lang="en-US" altLang="en-US" sz="1400" b="1" i="0" u="none" strike="noStrike" cap="none" normalizeH="0" baseline="0" dirty="0">
+                <a:ln>
+                  <a:noFill/>
+                </a:ln>
+                <a:solidFill>
+                  <a:srgbClr val="000000"/>
+                </a:solidFill>
+                <a:effectLst/>
+                <a:latin typeface="Courier New" panose="02070309020205020404" pitchFamily="49" charset="0"/>
+                <a:cs typeface="Courier New" panose="02070309020205020404" pitchFamily="49" charset="0"/>
+              </a:rPr>
+              <a:t>(</a:t>
+            </a:r>
+            <a:r>
+              <a:rPr kumimoji="0" lang="en-US" altLang="en-US" sz="1400" b="1" i="0" u="none" strike="noStrike" cap="none" normalizeH="0" baseline="0" dirty="0" err="1">
+                <a:ln>
+                  <a:noFill/>
+                </a:ln>
+                <a:solidFill>
+                  <a:srgbClr val="000000"/>
+                </a:solidFill>
+                <a:effectLst/>
+                <a:latin typeface="Courier New" panose="02070309020205020404" pitchFamily="49" charset="0"/>
+                <a:cs typeface="Courier New" panose="02070309020205020404" pitchFamily="49" charset="0"/>
+              </a:rPr>
+              <a:t>random.randint</a:t>
+            </a:r>
+            <a:r>
+              <a:rPr kumimoji="0" lang="en-US" altLang="en-US" sz="1400" b="1" i="0" u="none" strike="noStrike" cap="none" normalizeH="0" baseline="0" dirty="0">
+                <a:ln>
+                  <a:noFill/>
+                </a:ln>
+                <a:solidFill>
+                  <a:srgbClr val="000000"/>
+                </a:solidFill>
+                <a:effectLst/>
+                <a:latin typeface="Courier New" panose="02070309020205020404" pitchFamily="49" charset="0"/>
+                <a:cs typeface="Courier New" panose="02070309020205020404" pitchFamily="49" charset="0"/>
+              </a:rPr>
+              <a:t>(1, 7)) def </a:t>
+            </a:r>
+            <a:r>
+              <a:rPr kumimoji="0" lang="en-US" altLang="en-US" sz="1400" b="1" i="0" u="none" strike="noStrike" cap="none" normalizeH="0" baseline="0" dirty="0" err="1">
+                <a:ln>
+                  <a:noFill/>
+                </a:ln>
+                <a:solidFill>
+                  <a:srgbClr val="000000"/>
+                </a:solidFill>
+                <a:effectLst/>
+                <a:latin typeface="Courier New" panose="02070309020205020404" pitchFamily="49" charset="0"/>
+                <a:cs typeface="Courier New" panose="02070309020205020404" pitchFamily="49" charset="0"/>
+              </a:rPr>
+              <a:t>get_icuporter</a:t>
+            </a:r>
+            <a:r>
+              <a:rPr kumimoji="0" lang="en-US" altLang="en-US" sz="1400" b="1" i="0" u="none" strike="noStrike" cap="none" normalizeH="0" baseline="0" dirty="0">
+                <a:ln>
+                  <a:noFill/>
+                </a:ln>
+                <a:solidFill>
+                  <a:srgbClr val="000000"/>
+                </a:solidFill>
+                <a:effectLst/>
+                <a:latin typeface="Courier New" panose="02070309020205020404" pitchFamily="49" charset="0"/>
+                <a:cs typeface="Courier New" panose="02070309020205020404" pitchFamily="49" charset="0"/>
+              </a:rPr>
+              <a:t>(self, patient): yield </a:t>
+            </a:r>
+            <a:r>
+              <a:rPr kumimoji="0" lang="en-US" altLang="en-US" sz="1400" b="1" i="0" u="none" strike="noStrike" cap="none" normalizeH="0" baseline="0" dirty="0" err="1">
+                <a:ln>
+                  <a:noFill/>
+                </a:ln>
+                <a:solidFill>
+                  <a:srgbClr val="000000"/>
+                </a:solidFill>
+                <a:effectLst/>
+                <a:latin typeface="Courier New" panose="02070309020205020404" pitchFamily="49" charset="0"/>
+                <a:cs typeface="Courier New" panose="02070309020205020404" pitchFamily="49" charset="0"/>
+              </a:rPr>
+              <a:t>self.env.timeout</a:t>
+            </a:r>
+            <a:r>
+              <a:rPr kumimoji="0" lang="en-US" altLang="en-US" sz="1400" b="1" i="0" u="none" strike="noStrike" cap="none" normalizeH="0" baseline="0" dirty="0">
+                <a:ln>
+                  <a:noFill/>
+                </a:ln>
+                <a:solidFill>
+                  <a:srgbClr val="000000"/>
+                </a:solidFill>
+                <a:effectLst/>
+                <a:latin typeface="Courier New" panose="02070309020205020404" pitchFamily="49" charset="0"/>
+                <a:cs typeface="Courier New" panose="02070309020205020404" pitchFamily="49" charset="0"/>
+              </a:rPr>
+              <a:t>(</a:t>
+            </a:r>
+            <a:r>
+              <a:rPr kumimoji="0" lang="en-US" altLang="en-US" sz="1400" b="1" i="0" u="none" strike="noStrike" cap="none" normalizeH="0" baseline="0" dirty="0" err="1">
+                <a:ln>
+                  <a:noFill/>
+                </a:ln>
+                <a:solidFill>
+                  <a:srgbClr val="000000"/>
+                </a:solidFill>
+                <a:effectLst/>
+                <a:latin typeface="Courier New" panose="02070309020205020404" pitchFamily="49" charset="0"/>
+                <a:cs typeface="Courier New" panose="02070309020205020404" pitchFamily="49" charset="0"/>
+              </a:rPr>
+              <a:t>random.randint</a:t>
+            </a:r>
+            <a:r>
+              <a:rPr kumimoji="0" lang="en-US" altLang="en-US" sz="1400" b="1" i="0" u="none" strike="noStrike" cap="none" normalizeH="0" baseline="0" dirty="0">
+                <a:ln>
+                  <a:noFill/>
+                </a:ln>
+                <a:solidFill>
+                  <a:srgbClr val="000000"/>
+                </a:solidFill>
+                <a:effectLst/>
+                <a:latin typeface="Courier New" panose="02070309020205020404" pitchFamily="49" charset="0"/>
+                <a:cs typeface="Courier New" panose="02070309020205020404" pitchFamily="49" charset="0"/>
+              </a:rPr>
+              <a:t>(1, 6)) </a:t>
+            </a:r>
+            <a:endParaRPr kumimoji="0" lang="en-US" altLang="en-US" sz="1400" b="1" i="0" u="none" strike="noStrike" cap="none" normalizeH="0" baseline="0" dirty="0">
+              <a:ln>
+                <a:noFill/>
+              </a:ln>
+              <a:solidFill>
+                <a:schemeClr val="tx1"/>
+              </a:solidFill>
+              <a:effectLst/>
+            </a:endParaRPr>
+          </a:p>
+          <a:p>
+            <a:pPr marL="0" marR="0" lvl="0" indent="0" algn="l" defTabSz="914400" rtl="0" eaLnBrk="0" fontAlgn="base" latinLnBrk="0" hangingPunct="0">
+              <a:lnSpc>
+                <a:spcPct val="100000"/>
+              </a:lnSpc>
+              <a:spcBef>
+                <a:spcPct val="0"/>
+              </a:spcBef>
+              <a:spcAft>
+                <a:spcPct val="0"/>
+              </a:spcAft>
+              <a:buClrTx/>
+              <a:buSzTx/>
+              <a:buFontTx/>
+              <a:buNone/>
+              <a:tabLst/>
+            </a:pPr>
+            <a:r>
+              <a:rPr kumimoji="0" lang="en-US" altLang="en-US" sz="1400" b="1" i="0" u="none" strike="noStrike" cap="none" normalizeH="0" baseline="0" dirty="0">
+                <a:ln>
+                  <a:noFill/>
+                </a:ln>
+                <a:solidFill>
+                  <a:srgbClr val="000000"/>
+                </a:solidFill>
+                <a:effectLst/>
+                <a:latin typeface="Helvetica Neue"/>
+              </a:rPr>
+              <a:t>Input # of registrars working: 10 Input # of </a:t>
+            </a:r>
+            <a:r>
+              <a:rPr kumimoji="0" lang="en-US" altLang="en-US" sz="1400" b="1" i="0" u="none" strike="noStrike" cap="none" normalizeH="0" baseline="0" dirty="0" err="1">
+                <a:ln>
+                  <a:noFill/>
+                </a:ln>
+                <a:solidFill>
+                  <a:srgbClr val="000000"/>
+                </a:solidFill>
+                <a:effectLst/>
+                <a:latin typeface="Helvetica Neue"/>
+              </a:rPr>
+              <a:t>traumanurses</a:t>
+            </a:r>
+            <a:r>
+              <a:rPr kumimoji="0" lang="en-US" altLang="en-US" sz="1400" b="1" i="0" u="none" strike="noStrike" cap="none" normalizeH="0" baseline="0" dirty="0">
+                <a:ln>
+                  <a:noFill/>
+                </a:ln>
+                <a:solidFill>
+                  <a:srgbClr val="000000"/>
+                </a:solidFill>
+                <a:effectLst/>
+                <a:latin typeface="Helvetica Neue"/>
+              </a:rPr>
+              <a:t> working: 10 Input # of </a:t>
+            </a:r>
+            <a:r>
+              <a:rPr kumimoji="0" lang="en-US" altLang="en-US" sz="1400" b="1" i="0" u="none" strike="noStrike" cap="none" normalizeH="0" baseline="0" dirty="0" err="1">
+                <a:ln>
+                  <a:noFill/>
+                </a:ln>
+                <a:solidFill>
+                  <a:srgbClr val="000000"/>
+                </a:solidFill>
+                <a:effectLst/>
+                <a:latin typeface="Helvetica Neue"/>
+              </a:rPr>
+              <a:t>icuporters</a:t>
+            </a:r>
+            <a:r>
+              <a:rPr kumimoji="0" lang="en-US" altLang="en-US" sz="1400" b="1" i="0" u="none" strike="noStrike" cap="none" normalizeH="0" baseline="0" dirty="0">
+                <a:ln>
+                  <a:noFill/>
+                </a:ln>
+                <a:solidFill>
+                  <a:srgbClr val="000000"/>
+                </a:solidFill>
+                <a:effectLst/>
+                <a:latin typeface="Helvetica Neue"/>
+              </a:rPr>
+              <a:t> working: 10 Running simulation... The average wait time is 0 hours, 9 minutes and 15 seconds.</a:t>
+            </a:r>
+            <a:endParaRPr kumimoji="0" lang="en-US" altLang="en-US" sz="1400" b="1" i="0" u="none" strike="noStrike" cap="none" normalizeH="0" baseline="0" dirty="0">
+              <a:ln>
+                <a:noFill/>
+              </a:ln>
+              <a:solidFill>
+                <a:schemeClr val="tx1"/>
+              </a:solidFill>
+              <a:effectLst/>
+            </a:endParaRPr>
+          </a:p>
+          <a:p>
+            <a:pPr marL="0" marR="0" lvl="0" indent="0" algn="l" defTabSz="914400" rtl="0" eaLnBrk="0" fontAlgn="base" latinLnBrk="0" hangingPunct="0">
+              <a:lnSpc>
+                <a:spcPct val="100000"/>
+              </a:lnSpc>
+              <a:spcBef>
+                <a:spcPct val="0"/>
+              </a:spcBef>
+              <a:spcAft>
+                <a:spcPct val="0"/>
+              </a:spcAft>
+              <a:buClrTx/>
+              <a:buSzTx/>
+              <a:buFontTx/>
+              <a:buNone/>
+              <a:tabLst/>
+            </a:pPr>
+            <a:r>
+              <a:rPr kumimoji="0" lang="en-US" altLang="en-US" sz="1400" b="1" i="0" u="none" strike="noStrike" cap="none" normalizeH="0" baseline="0" dirty="0">
+                <a:ln>
+                  <a:noFill/>
+                </a:ln>
+                <a:solidFill>
+                  <a:srgbClr val="000000"/>
+                </a:solidFill>
+                <a:effectLst/>
+                <a:latin typeface="Helvetica Neue"/>
+              </a:rPr>
+              <a:t>Example 2 : Below the average wait time at trauma nurse is 1 to 4 minutes and </a:t>
+            </a:r>
+            <a:r>
+              <a:rPr kumimoji="0" lang="en-US" altLang="en-US" sz="1400" b="1" i="0" u="none" strike="noStrike" cap="none" normalizeH="0" baseline="0" dirty="0" err="1">
+                <a:ln>
+                  <a:noFill/>
+                </a:ln>
+                <a:solidFill>
+                  <a:srgbClr val="000000"/>
+                </a:solidFill>
+                <a:effectLst/>
+                <a:latin typeface="Helvetica Neue"/>
+              </a:rPr>
+              <a:t>icuporter</a:t>
+            </a:r>
+            <a:r>
+              <a:rPr kumimoji="0" lang="en-US" altLang="en-US" sz="1400" b="1" i="0" u="none" strike="noStrike" cap="none" normalizeH="0" baseline="0" dirty="0">
+                <a:ln>
+                  <a:noFill/>
+                </a:ln>
+                <a:solidFill>
+                  <a:srgbClr val="000000"/>
+                </a:solidFill>
+                <a:effectLst/>
+                <a:latin typeface="Helvetica Neue"/>
+              </a:rPr>
+              <a:t> is 1 to 3 minutes def </a:t>
+            </a:r>
+            <a:r>
+              <a:rPr kumimoji="0" lang="en-US" altLang="en-US" sz="1400" b="1" i="0" u="none" strike="noStrike" cap="none" normalizeH="0" baseline="0" dirty="0" err="1">
+                <a:ln>
+                  <a:noFill/>
+                </a:ln>
+                <a:solidFill>
+                  <a:srgbClr val="000000"/>
+                </a:solidFill>
+                <a:effectLst/>
+                <a:latin typeface="Helvetica Neue"/>
+              </a:rPr>
+              <a:t>get_registered</a:t>
+            </a:r>
+            <a:r>
+              <a:rPr kumimoji="0" lang="en-US" altLang="en-US" sz="1400" b="1" i="0" u="none" strike="noStrike" cap="none" normalizeH="0" baseline="0" dirty="0">
+                <a:ln>
+                  <a:noFill/>
+                </a:ln>
+                <a:solidFill>
+                  <a:srgbClr val="000000"/>
+                </a:solidFill>
+                <a:effectLst/>
+                <a:latin typeface="Helvetica Neue"/>
+              </a:rPr>
+              <a:t>(self, patient): yield </a:t>
+            </a:r>
+            <a:r>
+              <a:rPr kumimoji="0" lang="en-US" altLang="en-US" sz="1400" b="1" i="0" u="none" strike="noStrike" cap="none" normalizeH="0" baseline="0" dirty="0" err="1">
+                <a:ln>
+                  <a:noFill/>
+                </a:ln>
+                <a:solidFill>
+                  <a:srgbClr val="000000"/>
+                </a:solidFill>
+                <a:effectLst/>
+                <a:latin typeface="Helvetica Neue"/>
+              </a:rPr>
+              <a:t>self.env.timeout</a:t>
+            </a:r>
+            <a:r>
+              <a:rPr kumimoji="0" lang="en-US" altLang="en-US" sz="1400" b="1" i="0" u="none" strike="noStrike" cap="none" normalizeH="0" baseline="0" dirty="0">
+                <a:ln>
+                  <a:noFill/>
+                </a:ln>
+                <a:solidFill>
+                  <a:srgbClr val="000000"/>
+                </a:solidFill>
+                <a:effectLst/>
+                <a:latin typeface="Helvetica Neue"/>
+              </a:rPr>
+              <a:t>(</a:t>
+            </a:r>
+            <a:r>
+              <a:rPr kumimoji="0" lang="en-US" altLang="en-US" sz="1400" b="1" i="0" u="none" strike="noStrike" cap="none" normalizeH="0" baseline="0" dirty="0" err="1">
+                <a:ln>
+                  <a:noFill/>
+                </a:ln>
+                <a:solidFill>
+                  <a:srgbClr val="000000"/>
+                </a:solidFill>
+                <a:effectLst/>
+                <a:latin typeface="Helvetica Neue"/>
+              </a:rPr>
+              <a:t>random.randint</a:t>
+            </a:r>
+            <a:r>
+              <a:rPr kumimoji="0" lang="en-US" altLang="en-US" sz="1400" b="1" i="0" u="none" strike="noStrike" cap="none" normalizeH="0" baseline="0" dirty="0">
+                <a:ln>
+                  <a:noFill/>
+                </a:ln>
+                <a:solidFill>
+                  <a:srgbClr val="000000"/>
+                </a:solidFill>
+                <a:effectLst/>
+                <a:latin typeface="Helvetica Neue"/>
+              </a:rPr>
+              <a:t>(1, 3))</a:t>
+            </a:r>
+            <a:endParaRPr kumimoji="0" lang="en-US" altLang="en-US" sz="1400" b="1" i="0" u="none" strike="noStrike" cap="none" normalizeH="0" baseline="0" dirty="0">
+              <a:ln>
+                <a:noFill/>
+              </a:ln>
+              <a:solidFill>
+                <a:srgbClr val="000000"/>
+              </a:solidFill>
+              <a:effectLst/>
+              <a:latin typeface="Courier New" panose="02070309020205020404" pitchFamily="49" charset="0"/>
+              <a:cs typeface="Courier New" panose="02070309020205020404" pitchFamily="49" charset="0"/>
+            </a:endParaRPr>
+          </a:p>
+          <a:p>
+            <a:pPr marL="0" marR="0" lvl="0" indent="0" algn="l" defTabSz="914400" rtl="0" eaLnBrk="0" fontAlgn="base" latinLnBrk="0" hangingPunct="0">
+              <a:lnSpc>
+                <a:spcPct val="100000"/>
+              </a:lnSpc>
+              <a:spcBef>
+                <a:spcPct val="0"/>
+              </a:spcBef>
+              <a:spcAft>
+                <a:spcPct val="0"/>
+              </a:spcAft>
+              <a:buClrTx/>
+              <a:buSzTx/>
+              <a:buFontTx/>
+              <a:buNone/>
+              <a:tabLst/>
+            </a:pPr>
+            <a:r>
+              <a:rPr kumimoji="0" lang="en-US" altLang="en-US" sz="1400" b="1" i="0" u="none" strike="noStrike" cap="none" normalizeH="0" baseline="0" dirty="0">
+                <a:ln>
+                  <a:noFill/>
+                </a:ln>
+                <a:solidFill>
+                  <a:srgbClr val="000000"/>
+                </a:solidFill>
+                <a:effectLst/>
+                <a:latin typeface="Courier New" panose="02070309020205020404" pitchFamily="49" charset="0"/>
+                <a:cs typeface="Courier New" panose="02070309020205020404" pitchFamily="49" charset="0"/>
+              </a:rPr>
+              <a:t>def </a:t>
+            </a:r>
+            <a:r>
+              <a:rPr kumimoji="0" lang="en-US" altLang="en-US" sz="1400" b="1" i="0" u="none" strike="noStrike" cap="none" normalizeH="0" baseline="0" dirty="0" err="1">
+                <a:ln>
+                  <a:noFill/>
+                </a:ln>
+                <a:solidFill>
+                  <a:srgbClr val="000000"/>
+                </a:solidFill>
+                <a:effectLst/>
+                <a:latin typeface="Courier New" panose="02070309020205020404" pitchFamily="49" charset="0"/>
+                <a:cs typeface="Courier New" panose="02070309020205020404" pitchFamily="49" charset="0"/>
+              </a:rPr>
+              <a:t>check_traumanurse</a:t>
+            </a:r>
+            <a:r>
+              <a:rPr kumimoji="0" lang="en-US" altLang="en-US" sz="1400" b="1" i="0" u="none" strike="noStrike" cap="none" normalizeH="0" baseline="0" dirty="0">
+                <a:ln>
+                  <a:noFill/>
+                </a:ln>
+                <a:solidFill>
+                  <a:srgbClr val="000000"/>
+                </a:solidFill>
+                <a:effectLst/>
+                <a:latin typeface="Courier New" panose="02070309020205020404" pitchFamily="49" charset="0"/>
+                <a:cs typeface="Courier New" panose="02070309020205020404" pitchFamily="49" charset="0"/>
+              </a:rPr>
+              <a:t>(self, patient): yield </a:t>
+            </a:r>
+            <a:r>
+              <a:rPr kumimoji="0" lang="en-US" altLang="en-US" sz="1400" b="1" i="0" u="none" strike="noStrike" cap="none" normalizeH="0" baseline="0" dirty="0" err="1">
+                <a:ln>
+                  <a:noFill/>
+                </a:ln>
+                <a:solidFill>
+                  <a:srgbClr val="000000"/>
+                </a:solidFill>
+                <a:effectLst/>
+                <a:latin typeface="Courier New" panose="02070309020205020404" pitchFamily="49" charset="0"/>
+                <a:cs typeface="Courier New" panose="02070309020205020404" pitchFamily="49" charset="0"/>
+              </a:rPr>
+              <a:t>self.env.timeout</a:t>
+            </a:r>
+            <a:r>
+              <a:rPr kumimoji="0" lang="en-US" altLang="en-US" sz="1400" b="1" i="0" u="none" strike="noStrike" cap="none" normalizeH="0" baseline="0" dirty="0">
+                <a:ln>
+                  <a:noFill/>
+                </a:ln>
+                <a:solidFill>
+                  <a:srgbClr val="000000"/>
+                </a:solidFill>
+                <a:effectLst/>
+                <a:latin typeface="Courier New" panose="02070309020205020404" pitchFamily="49" charset="0"/>
+                <a:cs typeface="Courier New" panose="02070309020205020404" pitchFamily="49" charset="0"/>
+              </a:rPr>
+              <a:t>(</a:t>
+            </a:r>
+            <a:r>
+              <a:rPr kumimoji="0" lang="en-US" altLang="en-US" sz="1400" b="1" i="0" u="none" strike="noStrike" cap="none" normalizeH="0" baseline="0" dirty="0" err="1">
+                <a:ln>
+                  <a:noFill/>
+                </a:ln>
+                <a:solidFill>
+                  <a:srgbClr val="000000"/>
+                </a:solidFill>
+                <a:effectLst/>
+                <a:latin typeface="Courier New" panose="02070309020205020404" pitchFamily="49" charset="0"/>
+                <a:cs typeface="Courier New" panose="02070309020205020404" pitchFamily="49" charset="0"/>
+              </a:rPr>
+              <a:t>random.randint</a:t>
+            </a:r>
+            <a:r>
+              <a:rPr kumimoji="0" lang="en-US" altLang="en-US" sz="1400" b="1" i="0" u="none" strike="noStrike" cap="none" normalizeH="0" baseline="0" dirty="0">
+                <a:ln>
+                  <a:noFill/>
+                </a:ln>
+                <a:solidFill>
+                  <a:srgbClr val="000000"/>
+                </a:solidFill>
+                <a:effectLst/>
+                <a:latin typeface="Courier New" panose="02070309020205020404" pitchFamily="49" charset="0"/>
+                <a:cs typeface="Courier New" panose="02070309020205020404" pitchFamily="49" charset="0"/>
+              </a:rPr>
+              <a:t>(1, 4)) def </a:t>
+            </a:r>
+            <a:r>
+              <a:rPr kumimoji="0" lang="en-US" altLang="en-US" sz="1400" b="1" i="0" u="none" strike="noStrike" cap="none" normalizeH="0" baseline="0" dirty="0" err="1">
+                <a:ln>
+                  <a:noFill/>
+                </a:ln>
+                <a:solidFill>
+                  <a:srgbClr val="000000"/>
+                </a:solidFill>
+                <a:effectLst/>
+                <a:latin typeface="Courier New" panose="02070309020205020404" pitchFamily="49" charset="0"/>
+                <a:cs typeface="Courier New" panose="02070309020205020404" pitchFamily="49" charset="0"/>
+              </a:rPr>
+              <a:t>get_icuporter</a:t>
+            </a:r>
+            <a:r>
+              <a:rPr kumimoji="0" lang="en-US" altLang="en-US" sz="1400" b="1" i="0" u="none" strike="noStrike" cap="none" normalizeH="0" baseline="0" dirty="0">
+                <a:ln>
+                  <a:noFill/>
+                </a:ln>
+                <a:solidFill>
+                  <a:srgbClr val="000000"/>
+                </a:solidFill>
+                <a:effectLst/>
+                <a:latin typeface="Courier New" panose="02070309020205020404" pitchFamily="49" charset="0"/>
+                <a:cs typeface="Courier New" panose="02070309020205020404" pitchFamily="49" charset="0"/>
+              </a:rPr>
+              <a:t>(self, patient): yield </a:t>
+            </a:r>
+            <a:r>
+              <a:rPr kumimoji="0" lang="en-US" altLang="en-US" sz="1400" b="1" i="0" u="none" strike="noStrike" cap="none" normalizeH="0" baseline="0" dirty="0" err="1">
+                <a:ln>
+                  <a:noFill/>
+                </a:ln>
+                <a:solidFill>
+                  <a:srgbClr val="000000"/>
+                </a:solidFill>
+                <a:effectLst/>
+                <a:latin typeface="Courier New" panose="02070309020205020404" pitchFamily="49" charset="0"/>
+                <a:cs typeface="Courier New" panose="02070309020205020404" pitchFamily="49" charset="0"/>
+              </a:rPr>
+              <a:t>self.env.timeout</a:t>
+            </a:r>
+            <a:r>
+              <a:rPr kumimoji="0" lang="en-US" altLang="en-US" sz="1400" b="1" i="0" u="none" strike="noStrike" cap="none" normalizeH="0" baseline="0" dirty="0">
+                <a:ln>
+                  <a:noFill/>
+                </a:ln>
+                <a:solidFill>
+                  <a:srgbClr val="000000"/>
+                </a:solidFill>
+                <a:effectLst/>
+                <a:latin typeface="Courier New" panose="02070309020205020404" pitchFamily="49" charset="0"/>
+                <a:cs typeface="Courier New" panose="02070309020205020404" pitchFamily="49" charset="0"/>
+              </a:rPr>
+              <a:t>(</a:t>
+            </a:r>
+            <a:r>
+              <a:rPr kumimoji="0" lang="en-US" altLang="en-US" sz="1400" b="1" i="0" u="none" strike="noStrike" cap="none" normalizeH="0" baseline="0" dirty="0" err="1">
+                <a:ln>
+                  <a:noFill/>
+                </a:ln>
+                <a:solidFill>
+                  <a:srgbClr val="000000"/>
+                </a:solidFill>
+                <a:effectLst/>
+                <a:latin typeface="Courier New" panose="02070309020205020404" pitchFamily="49" charset="0"/>
+                <a:cs typeface="Courier New" panose="02070309020205020404" pitchFamily="49" charset="0"/>
+              </a:rPr>
+              <a:t>random.randint</a:t>
+            </a:r>
+            <a:r>
+              <a:rPr kumimoji="0" lang="en-US" altLang="en-US" sz="1400" b="1" i="0" u="none" strike="noStrike" cap="none" normalizeH="0" baseline="0" dirty="0">
+                <a:ln>
+                  <a:noFill/>
+                </a:ln>
+                <a:solidFill>
+                  <a:srgbClr val="000000"/>
+                </a:solidFill>
+                <a:effectLst/>
+                <a:latin typeface="Courier New" panose="02070309020205020404" pitchFamily="49" charset="0"/>
+                <a:cs typeface="Courier New" panose="02070309020205020404" pitchFamily="49" charset="0"/>
+              </a:rPr>
+              <a:t>(1, 3)) </a:t>
+            </a:r>
+            <a:endParaRPr kumimoji="0" lang="en-US" altLang="en-US" sz="1400" b="1" i="0" u="none" strike="noStrike" cap="none" normalizeH="0" baseline="0" dirty="0">
+              <a:ln>
+                <a:noFill/>
+              </a:ln>
+              <a:solidFill>
+                <a:schemeClr val="tx1"/>
+              </a:solidFill>
+              <a:effectLst/>
+            </a:endParaRPr>
+          </a:p>
+          <a:p>
+            <a:pPr marL="0" marR="0" lvl="0" indent="0" algn="l" defTabSz="914400" rtl="0" eaLnBrk="0" fontAlgn="base" latinLnBrk="0" hangingPunct="0">
+              <a:lnSpc>
+                <a:spcPct val="100000"/>
+              </a:lnSpc>
+              <a:spcBef>
+                <a:spcPct val="0"/>
+              </a:spcBef>
+              <a:spcAft>
+                <a:spcPct val="0"/>
+              </a:spcAft>
+              <a:buClrTx/>
+              <a:buSzTx/>
+              <a:buFontTx/>
+              <a:buNone/>
+              <a:tabLst/>
+            </a:pPr>
+            <a:r>
+              <a:rPr kumimoji="0" lang="en-US" altLang="en-US" sz="1400" b="1" i="0" u="none" strike="noStrike" cap="none" normalizeH="0" baseline="0" dirty="0">
+                <a:ln>
+                  <a:noFill/>
+                </a:ln>
+                <a:solidFill>
+                  <a:srgbClr val="000000"/>
+                </a:solidFill>
+                <a:effectLst/>
+                <a:latin typeface="Helvetica Neue"/>
+              </a:rPr>
+              <a:t>Input # of registrars working: 10 Input # of </a:t>
+            </a:r>
+            <a:r>
+              <a:rPr kumimoji="0" lang="en-US" altLang="en-US" sz="1400" b="1" i="0" u="none" strike="noStrike" cap="none" normalizeH="0" baseline="0" dirty="0" err="1">
+                <a:ln>
+                  <a:noFill/>
+                </a:ln>
+                <a:solidFill>
+                  <a:srgbClr val="000000"/>
+                </a:solidFill>
+                <a:effectLst/>
+                <a:latin typeface="Helvetica Neue"/>
+              </a:rPr>
+              <a:t>traumanurses</a:t>
+            </a:r>
+            <a:r>
+              <a:rPr kumimoji="0" lang="en-US" altLang="en-US" sz="1400" b="1" i="0" u="none" strike="noStrike" cap="none" normalizeH="0" baseline="0" dirty="0">
+                <a:ln>
+                  <a:noFill/>
+                </a:ln>
+                <a:solidFill>
+                  <a:srgbClr val="000000"/>
+                </a:solidFill>
+                <a:effectLst/>
+                <a:latin typeface="Helvetica Neue"/>
+              </a:rPr>
+              <a:t> working: 10 Input # of </a:t>
+            </a:r>
+            <a:r>
+              <a:rPr kumimoji="0" lang="en-US" altLang="en-US" sz="1400" b="1" i="0" u="none" strike="noStrike" cap="none" normalizeH="0" baseline="0" dirty="0" err="1">
+                <a:ln>
+                  <a:noFill/>
+                </a:ln>
+                <a:solidFill>
+                  <a:srgbClr val="000000"/>
+                </a:solidFill>
+                <a:effectLst/>
+                <a:latin typeface="Helvetica Neue"/>
+              </a:rPr>
+              <a:t>icuporters</a:t>
+            </a:r>
+            <a:r>
+              <a:rPr kumimoji="0" lang="en-US" altLang="en-US" sz="1400" b="1" i="0" u="none" strike="noStrike" cap="none" normalizeH="0" baseline="0" dirty="0">
+                <a:ln>
+                  <a:noFill/>
+                </a:ln>
+                <a:solidFill>
+                  <a:srgbClr val="000000"/>
+                </a:solidFill>
+                <a:effectLst/>
+                <a:latin typeface="Helvetica Neue"/>
+              </a:rPr>
+              <a:t> working: 10 Running simulation... The average wait time is 0 hours, 6 minutes and 22 seconds.</a:t>
+            </a:r>
+            <a:endParaRPr kumimoji="0" lang="en-US" altLang="en-US" sz="1400" b="1" i="0" u="none" strike="noStrike" cap="none" normalizeH="0" baseline="0" dirty="0">
+              <a:ln>
+                <a:noFill/>
+              </a:ln>
+              <a:solidFill>
+                <a:schemeClr val="tx1"/>
+              </a:solidFill>
+              <a:effectLst/>
+              <a:latin typeface="Arial" panose="020B0604020202020204" pitchFamily="34" charset="0"/>
+            </a:endParaRPr>
+          </a:p>
+        </p:txBody>
+      </p:sp>
+    </p:spTree>
+    <p:extLst>
+      <p:ext uri="{BB962C8B-B14F-4D97-AF65-F5344CB8AC3E}">
+        <p14:creationId xmlns:p14="http://schemas.microsoft.com/office/powerpoint/2010/main" val="1923868675"/>
+      </p:ext>
+    </p:extLst>
+  </p:cSld>
+  <p:clrMapOvr>
+    <a:masterClrMapping/>
+  </p:clrMapOvr>
+</p:sld>
+</file>
+
+<file path=ppt/slides/slide6.xml><?xml version="1.0" encoding="utf-8"?>
+<p:sld xmlns:a="http://schemas.openxmlformats.org/drawingml/2006/main" xmlns:r="http://schemas.openxmlformats.org/officeDocument/2006/relationships" xmlns:p="http://schemas.openxmlformats.org/presentationml/2006/main">
+  <p:cSld>
+    <p:spTree>
+      <p:nvGrpSpPr>
+        <p:cNvPr id="1" name=""/>
+        <p:cNvGrpSpPr/>
+        <p:nvPr/>
+      </p:nvGrpSpPr>
+      <p:grpSpPr>
+        <a:xfrm>
+          <a:off x="0" y="0"/>
+          <a:ext cx="0" cy="0"/>
+          <a:chOff x="0" y="0"/>
+          <a:chExt cx="0" cy="0"/>
+        </a:xfrm>
+      </p:grpSpPr>
+      <p:sp>
+        <p:nvSpPr>
+          <p:cNvPr id="2" name="Title 1">
+            <a:extLst>
+              <a:ext uri="{FF2B5EF4-FFF2-40B4-BE49-F238E27FC236}">
+                <a16:creationId xmlns:a16="http://schemas.microsoft.com/office/drawing/2014/main" id="{D629DAD4-74AA-4B44-38FA-367171E413BB}"/>
+              </a:ext>
+            </a:extLst>
+          </p:cNvPr>
+          <p:cNvSpPr>
+            <a:spLocks noGrp="1"/>
+          </p:cNvSpPr>
+          <p:nvPr>
+            <p:ph type="title"/>
+          </p:nvPr>
+        </p:nvSpPr>
+        <p:spPr/>
+        <p:txBody>
+          <a:bodyPr/>
+          <a:lstStyle/>
+          <a:p>
+            <a:r>
+              <a:rPr lang="en-US" dirty="0"/>
+              <a:t>               Conclusion</a:t>
+            </a:r>
+          </a:p>
+        </p:txBody>
+      </p:sp>
+      <p:sp>
+        <p:nvSpPr>
+          <p:cNvPr id="3" name="Content Placeholder 2">
+            <a:extLst>
+              <a:ext uri="{FF2B5EF4-FFF2-40B4-BE49-F238E27FC236}">
+                <a16:creationId xmlns:a16="http://schemas.microsoft.com/office/drawing/2014/main" id="{899BFDC6-AF43-A01B-764E-FB7EC20F3008}"/>
+              </a:ext>
+            </a:extLst>
+          </p:cNvPr>
+          <p:cNvSpPr>
+            <a:spLocks noGrp="1"/>
+          </p:cNvSpPr>
+          <p:nvPr>
+            <p:ph idx="1"/>
+          </p:nvPr>
+        </p:nvSpPr>
+        <p:spPr/>
+        <p:txBody>
+          <a:bodyPr/>
+          <a:lstStyle/>
+          <a:p>
+            <a:pPr marL="0" indent="0">
+              <a:buNone/>
+            </a:pPr>
+            <a:r>
+              <a:rPr lang="en-US" b="0" i="0" dirty="0">
+                <a:solidFill>
+                  <a:srgbClr val="000000"/>
+                </a:solidFill>
+                <a:effectLst/>
+                <a:latin typeface="Helvetica Neue"/>
+              </a:rPr>
+              <a:t>I am concluding from this simulation  especially at Trauma centers we need more people to Register, look at the patient Trauma intensity level and then people to transfer them to ICU activity. As I mentioned in Flow Chart 1st priority is given to Level 3 Trauma patients(</a:t>
+            </a:r>
+            <a:r>
+              <a:rPr lang="en-US" b="0" i="0" dirty="0" err="1">
+                <a:solidFill>
+                  <a:srgbClr val="000000"/>
+                </a:solidFill>
+                <a:effectLst/>
+                <a:latin typeface="Helvetica Neue"/>
+              </a:rPr>
+              <a:t>Cardiac,brainstroke,severe</a:t>
+            </a:r>
+            <a:r>
+              <a:rPr lang="en-US" b="0" i="0" dirty="0">
+                <a:solidFill>
+                  <a:srgbClr val="000000"/>
+                </a:solidFill>
+                <a:effectLst/>
+                <a:latin typeface="Helvetica Neue"/>
+              </a:rPr>
+              <a:t> brain injury patients), 2nd priority to Level2(Burned patients, Kidney Failure, Accident Patients) and third priority to Level3(other Trauma Patients) all are queued in. </a:t>
+            </a:r>
+          </a:p>
+          <a:p>
+            <a:pPr marL="0" indent="0">
+              <a:buNone/>
+            </a:pPr>
+            <a:r>
+              <a:rPr lang="en-US" b="0" i="0" dirty="0">
+                <a:solidFill>
+                  <a:srgbClr val="000000"/>
+                </a:solidFill>
+                <a:effectLst/>
+                <a:latin typeface="Helvetica Neue"/>
+              </a:rPr>
+              <a:t>So more number of shared resources less wait times for Trauma Emergency patients.</a:t>
+            </a:r>
+            <a:endParaRPr lang="en-US" dirty="0"/>
+          </a:p>
+        </p:txBody>
+      </p:sp>
+    </p:spTree>
+    <p:extLst>
+      <p:ext uri="{BB962C8B-B14F-4D97-AF65-F5344CB8AC3E}">
+        <p14:creationId xmlns:p14="http://schemas.microsoft.com/office/powerpoint/2010/main" val="1365341504"/>
       </p:ext>
     </p:extLst>
   </p:cSld>
